--- a/Wprowadzenie do funkcji/IV. Wprowadzenie do funkcji/Zadania.pptx
+++ b/Wprowadzenie do funkcji/IV. Wprowadzenie do funkcji/Zadania.pptx
@@ -9,13 +9,14 @@
     <p:sldId id="257" r:id="rId3"/>
     <p:sldId id="264" r:id="rId4"/>
     <p:sldId id="266" r:id="rId5"/>
-    <p:sldId id="258" r:id="rId6"/>
-    <p:sldId id="261" r:id="rId7"/>
-    <p:sldId id="267" r:id="rId8"/>
-    <p:sldId id="269" r:id="rId9"/>
-    <p:sldId id="270" r:id="rId10"/>
-    <p:sldId id="259" r:id="rId11"/>
-    <p:sldId id="260" r:id="rId12"/>
+    <p:sldId id="271" r:id="rId6"/>
+    <p:sldId id="258" r:id="rId7"/>
+    <p:sldId id="261" r:id="rId8"/>
+    <p:sldId id="267" r:id="rId9"/>
+    <p:sldId id="269" r:id="rId10"/>
+    <p:sldId id="270" r:id="rId11"/>
+    <p:sldId id="259" r:id="rId12"/>
+    <p:sldId id="260" r:id="rId13"/>
   </p:sldIdLst>
   <p:sldSz cx="12192000" cy="6858000"/>
   <p:notesSz cx="6858000" cy="9144000"/>
@@ -281,7 +282,7 @@
             <a:fld id="{EE943B78-06A0-4E92-ADB6-4BAA084F345E}" type="datetimeFigureOut">
               <a:rPr lang="pl-PL" smtClean="0"/>
               <a:pPr/>
-              <a:t>30.04.2018</a:t>
+              <a:t>15.05.2018</a:t>
             </a:fld>
             <a:endParaRPr lang="pl-PL"/>
           </a:p>
@@ -481,7 +482,7 @@
             <a:fld id="{EE943B78-06A0-4E92-ADB6-4BAA084F345E}" type="datetimeFigureOut">
               <a:rPr lang="pl-PL" smtClean="0"/>
               <a:pPr/>
-              <a:t>30.04.2018</a:t>
+              <a:t>15.05.2018</a:t>
             </a:fld>
             <a:endParaRPr lang="pl-PL"/>
           </a:p>
@@ -691,7 +692,7 @@
             <a:fld id="{EE943B78-06A0-4E92-ADB6-4BAA084F345E}" type="datetimeFigureOut">
               <a:rPr lang="pl-PL" smtClean="0"/>
               <a:pPr/>
-              <a:t>30.04.2018</a:t>
+              <a:t>15.05.2018</a:t>
             </a:fld>
             <a:endParaRPr lang="pl-PL"/>
           </a:p>
@@ -891,7 +892,7 @@
             <a:fld id="{EE943B78-06A0-4E92-ADB6-4BAA084F345E}" type="datetimeFigureOut">
               <a:rPr lang="pl-PL" smtClean="0"/>
               <a:pPr/>
-              <a:t>30.04.2018</a:t>
+              <a:t>15.05.2018</a:t>
             </a:fld>
             <a:endParaRPr lang="pl-PL"/>
           </a:p>
@@ -1168,7 +1169,7 @@
             <a:fld id="{EE943B78-06A0-4E92-ADB6-4BAA084F345E}" type="datetimeFigureOut">
               <a:rPr lang="pl-PL" smtClean="0"/>
               <a:pPr/>
-              <a:t>30.04.2018</a:t>
+              <a:t>15.05.2018</a:t>
             </a:fld>
             <a:endParaRPr lang="pl-PL"/>
           </a:p>
@@ -1435,7 +1436,7 @@
             <a:fld id="{EE943B78-06A0-4E92-ADB6-4BAA084F345E}" type="datetimeFigureOut">
               <a:rPr lang="pl-PL" smtClean="0"/>
               <a:pPr/>
-              <a:t>30.04.2018</a:t>
+              <a:t>15.05.2018</a:t>
             </a:fld>
             <a:endParaRPr lang="pl-PL"/>
           </a:p>
@@ -1849,7 +1850,7 @@
             <a:fld id="{EE943B78-06A0-4E92-ADB6-4BAA084F345E}" type="datetimeFigureOut">
               <a:rPr lang="pl-PL" smtClean="0"/>
               <a:pPr/>
-              <a:t>30.04.2018</a:t>
+              <a:t>15.05.2018</a:t>
             </a:fld>
             <a:endParaRPr lang="pl-PL"/>
           </a:p>
@@ -1992,7 +1993,7 @@
             <a:fld id="{EE943B78-06A0-4E92-ADB6-4BAA084F345E}" type="datetimeFigureOut">
               <a:rPr lang="pl-PL" smtClean="0"/>
               <a:pPr/>
-              <a:t>30.04.2018</a:t>
+              <a:t>15.05.2018</a:t>
             </a:fld>
             <a:endParaRPr lang="pl-PL"/>
           </a:p>
@@ -2107,7 +2108,7 @@
             <a:fld id="{EE943B78-06A0-4E92-ADB6-4BAA084F345E}" type="datetimeFigureOut">
               <a:rPr lang="pl-PL" smtClean="0"/>
               <a:pPr/>
-              <a:t>30.04.2018</a:t>
+              <a:t>15.05.2018</a:t>
             </a:fld>
             <a:endParaRPr lang="pl-PL"/>
           </a:p>
@@ -2420,7 +2421,7 @@
             <a:fld id="{EE943B78-06A0-4E92-ADB6-4BAA084F345E}" type="datetimeFigureOut">
               <a:rPr lang="pl-PL" smtClean="0"/>
               <a:pPr/>
-              <a:t>30.04.2018</a:t>
+              <a:t>15.05.2018</a:t>
             </a:fld>
             <a:endParaRPr lang="pl-PL"/>
           </a:p>
@@ -2710,7 +2711,7 @@
             <a:fld id="{EE943B78-06A0-4E92-ADB6-4BAA084F345E}" type="datetimeFigureOut">
               <a:rPr lang="pl-PL" smtClean="0"/>
               <a:pPr/>
-              <a:t>30.04.2018</a:t>
+              <a:t>15.05.2018</a:t>
             </a:fld>
             <a:endParaRPr lang="pl-PL"/>
           </a:p>
@@ -2953,7 +2954,7 @@
             <a:fld id="{EE943B78-06A0-4E92-ADB6-4BAA084F345E}" type="datetimeFigureOut">
               <a:rPr lang="pl-PL" smtClean="0"/>
               <a:pPr/>
-              <a:t>30.04.2018</a:t>
+              <a:t>15.05.2018</a:t>
             </a:fld>
             <a:endParaRPr lang="pl-PL"/>
           </a:p>
@@ -3441,6 +3442,171 @@
 </file>
 
 <file path=ppt/slides/slide10.xml><?xml version="1.0" encoding="utf-8"?>
+<p:sld xmlns:a="http://schemas.openxmlformats.org/drawingml/2006/main" xmlns:r="http://schemas.openxmlformats.org/officeDocument/2006/relationships" xmlns:p="http://schemas.openxmlformats.org/presentationml/2006/main">
+  <p:cSld>
+    <p:spTree>
+      <p:nvGrpSpPr>
+        <p:cNvPr id="1" name=""/>
+        <p:cNvGrpSpPr/>
+        <p:nvPr/>
+      </p:nvGrpSpPr>
+      <p:grpSpPr>
+        <a:xfrm>
+          <a:off x="0" y="0"/>
+          <a:ext cx="0" cy="0"/>
+          <a:chOff x="0" y="0"/>
+          <a:chExt cx="0" cy="0"/>
+        </a:xfrm>
+      </p:grpSpPr>
+      <p:sp>
+        <p:nvSpPr>
+          <p:cNvPr id="2" name="Tytuł 1">
+            <a:extLst>
+              <a:ext uri="{FF2B5EF4-FFF2-40B4-BE49-F238E27FC236}">
+                <a16:creationId xmlns:a16="http://schemas.microsoft.com/office/drawing/2014/main" id="{55A726BB-AC70-BF44-A2F6-AF6C389174AB}"/>
+              </a:ext>
+            </a:extLst>
+          </p:cNvPr>
+          <p:cNvSpPr>
+            <a:spLocks noGrp="1"/>
+          </p:cNvSpPr>
+          <p:nvPr>
+            <p:ph type="title"/>
+          </p:nvPr>
+        </p:nvSpPr>
+        <p:spPr/>
+        <p:txBody>
+          <a:bodyPr/>
+          <a:lstStyle/>
+          <a:p>
+            <a:r>
+              <a:rPr lang="pl-PL" dirty="0"/>
+              <a:t>Przykłady</a:t>
+            </a:r>
+          </a:p>
+        </p:txBody>
+      </p:sp>
+      <p:sp>
+        <p:nvSpPr>
+          <p:cNvPr id="3" name="Symbol zastępczy zawartości 2">
+            <a:extLst>
+              <a:ext uri="{FF2B5EF4-FFF2-40B4-BE49-F238E27FC236}">
+                <a16:creationId xmlns:a16="http://schemas.microsoft.com/office/drawing/2014/main" id="{A5E878CC-3F4A-F64C-963E-9286DAE55E23}"/>
+              </a:ext>
+            </a:extLst>
+          </p:cNvPr>
+          <p:cNvSpPr>
+            <a:spLocks noGrp="1"/>
+          </p:cNvSpPr>
+          <p:nvPr>
+            <p:ph idx="1"/>
+          </p:nvPr>
+        </p:nvSpPr>
+        <p:spPr/>
+        <p:txBody>
+          <a:bodyPr>
+            <a:normAutofit fontScale="85000" lnSpcReduction="20000"/>
+          </a:bodyPr>
+          <a:lstStyle/>
+          <a:p>
+            <a:r>
+              <a:rPr lang="pl-PL" dirty="0"/>
+              <a:t>Tekst: werd0debilopiku</a:t>
+            </a:r>
+          </a:p>
+          <a:p>
+            <a:r>
+              <a:rPr lang="pl-PL" dirty="0"/>
+              <a:t>Wyraz: debil</a:t>
+            </a:r>
+          </a:p>
+          <a:p>
+            <a:r>
+              <a:rPr lang="pl-PL" dirty="0"/>
+              <a:t>Wynik: Obraza I-go stopnia</a:t>
+            </a:r>
+          </a:p>
+          <a:p>
+            <a:pPr marL="0" indent="0">
+              <a:buNone/>
+            </a:pPr>
+            <a:endParaRPr lang="pl-PL" dirty="0"/>
+          </a:p>
+          <a:p>
+            <a:r>
+              <a:rPr lang="pl-PL" dirty="0"/>
+              <a:t>Tekst: frgoplapud0qwe</a:t>
+            </a:r>
+          </a:p>
+          <a:p>
+            <a:r>
+              <a:rPr lang="pl-PL" dirty="0"/>
+              <a:t>Wyraz: dupa</a:t>
+            </a:r>
+          </a:p>
+          <a:p>
+            <a:r>
+              <a:rPr lang="pl-PL" dirty="0"/>
+              <a:t>Wynik: Obraza II-go stopnia</a:t>
+            </a:r>
+          </a:p>
+          <a:p>
+            <a:endParaRPr lang="pl-PL" dirty="0"/>
+          </a:p>
+          <a:p>
+            <a:r>
+              <a:rPr lang="pl-PL" dirty="0"/>
+              <a:t>Tekst: </a:t>
+            </a:r>
+            <a:r>
+              <a:rPr lang="pl-PL" dirty="0" err="1"/>
+              <a:t>sdifjgrgorernfsefrhgregrr</a:t>
+            </a:r>
+            <a:endParaRPr lang="pl-PL" dirty="0"/>
+          </a:p>
+          <a:p>
+            <a:r>
+              <a:rPr lang="pl-PL" dirty="0"/>
+              <a:t>Wyraz : idiota</a:t>
+            </a:r>
+          </a:p>
+          <a:p>
+            <a:r>
+              <a:rPr lang="pl-PL" dirty="0"/>
+              <a:t>Wynik: Obraza 0-go stopnia (brak obrazy)</a:t>
+            </a:r>
+          </a:p>
+          <a:p>
+            <a:endParaRPr lang="pl-PL" dirty="0"/>
+          </a:p>
+          <a:p>
+            <a:endParaRPr lang="pl-PL" dirty="0"/>
+          </a:p>
+          <a:p>
+            <a:pPr marL="0" indent="0">
+              <a:buNone/>
+            </a:pPr>
+            <a:endParaRPr lang="pl-PL" dirty="0"/>
+          </a:p>
+          <a:p>
+            <a:endParaRPr lang="pl-PL" dirty="0"/>
+          </a:p>
+        </p:txBody>
+      </p:sp>
+    </p:spTree>
+    <p:extLst>
+      <p:ext uri="{BB962C8B-B14F-4D97-AF65-F5344CB8AC3E}">
+        <p14:creationId xmlns:p14="http://schemas.microsoft.com/office/powerpoint/2010/main" val="1837682957"/>
+      </p:ext>
+    </p:extLst>
+  </p:cSld>
+  <p:clrMapOvr>
+    <a:masterClrMapping/>
+  </p:clrMapOvr>
+</p:sld>
+</file>
+
+<file path=ppt/slides/slide11.xml><?xml version="1.0" encoding="utf-8"?>
 <p:sld xmlns:a="http://schemas.openxmlformats.org/drawingml/2006/main" xmlns:r="http://schemas.openxmlformats.org/officeDocument/2006/relationships" xmlns:p="http://schemas.openxmlformats.org/presentationml/2006/main" show="0">
   <p:cSld>
     <p:spTree>
@@ -3575,7 +3741,7 @@
 </p:sld>
 </file>
 
-<file path=ppt/slides/slide11.xml><?xml version="1.0" encoding="utf-8"?>
+<file path=ppt/slides/slide12.xml><?xml version="1.0" encoding="utf-8"?>
 <p:sld xmlns:a="http://schemas.openxmlformats.org/drawingml/2006/main" xmlns:r="http://schemas.openxmlformats.org/officeDocument/2006/relationships" xmlns:p="http://schemas.openxmlformats.org/presentationml/2006/main" show="0">
   <p:cSld>
     <p:spTree>
@@ -4480,7 +4646,7 @@
 </file>
 
 <file path=ppt/slides/slide4.xml><?xml version="1.0" encoding="utf-8"?>
-<p:sld xmlns:a="http://schemas.openxmlformats.org/drawingml/2006/main" xmlns:r="http://schemas.openxmlformats.org/officeDocument/2006/relationships" xmlns:p="http://schemas.openxmlformats.org/presentationml/2006/main">
+<p:sld xmlns:a="http://schemas.openxmlformats.org/drawingml/2006/main" xmlns:r="http://schemas.openxmlformats.org/officeDocument/2006/relationships" xmlns:p="http://schemas.openxmlformats.org/presentationml/2006/main" show="0">
   <p:cSld>
     <p:spTree>
       <p:nvGrpSpPr>
@@ -5161,107 +5327,641 @@
       </p:grpSpPr>
       <p:sp>
         <p:nvSpPr>
-          <p:cNvPr id="2" name="Tytuł 1">
-            <a:extLst>
-              <a:ext uri="{FF2B5EF4-FFF2-40B4-BE49-F238E27FC236}">
-                <a16:creationId xmlns:a16="http://schemas.microsoft.com/office/drawing/2014/main" id="{E8B74B54-056B-4C4A-B8A9-B4125A34D90D}"/>
-              </a:ext>
-            </a:extLst>
-          </p:cNvPr>
-          <p:cNvSpPr>
-            <a:spLocks noGrp="1"/>
-          </p:cNvSpPr>
-          <p:nvPr>
-            <p:ph type="title"/>
-          </p:nvPr>
-        </p:nvSpPr>
-        <p:spPr/>
-        <p:txBody>
-          <a:bodyPr/>
+          <p:cNvPr id="4" name="pole tekstowe 3"/>
+          <p:cNvSpPr txBox="1"/>
+          <p:nvPr/>
+        </p:nvSpPr>
+        <p:spPr>
+          <a:xfrm>
+            <a:off x="780288" y="573024"/>
+            <a:ext cx="1621536" cy="369332"/>
+          </a:xfrm>
+          <a:prstGeom prst="rect">
+            <a:avLst/>
+          </a:prstGeom>
+          <a:noFill/>
+        </p:spPr>
+        <p:txBody>
+          <a:bodyPr wrap="square" rtlCol="0">
+            <a:spAutoFit/>
+          </a:bodyPr>
           <a:lstStyle/>
           <a:p>
             <a:r>
               <a:rPr lang="pl-PL" dirty="0"/>
-              <a:t>Zadanie 2</a:t>
-            </a:r>
-          </a:p>
-        </p:txBody>
-      </p:sp>
-      <p:sp>
-        <p:nvSpPr>
-          <p:cNvPr id="3" name="Symbol zastępczy zawartości 2">
-            <a:extLst>
-              <a:ext uri="{FF2B5EF4-FFF2-40B4-BE49-F238E27FC236}">
-                <a16:creationId xmlns:a16="http://schemas.microsoft.com/office/drawing/2014/main" id="{9B1621D0-81C5-47CA-AE43-1D532200A620}"/>
-              </a:ext>
-            </a:extLst>
-          </p:cNvPr>
-          <p:cNvSpPr>
-            <a:spLocks noGrp="1"/>
-          </p:cNvSpPr>
-          <p:nvPr>
-            <p:ph idx="1"/>
-          </p:nvPr>
-        </p:nvSpPr>
-        <p:spPr/>
-        <p:txBody>
-          <a:bodyPr/>
+              <a:t>Funkcja 1</a:t>
+            </a:r>
+          </a:p>
+        </p:txBody>
+      </p:sp>
+      <p:graphicFrame>
+        <p:nvGraphicFramePr>
+          <p:cNvPr id="5" name="Tabela 4"/>
+          <p:cNvGraphicFramePr>
+            <a:graphicFrameLocks noGrp="1"/>
+          </p:cNvGraphicFramePr>
+          <p:nvPr>
+            <p:extLst>
+              <p:ext uri="{D42A27DB-BD31-4B8C-83A1-F6EECF244321}">
+                <p14:modId xmlns:p14="http://schemas.microsoft.com/office/powerpoint/2010/main" val="2061702023"/>
+              </p:ext>
+            </p:extLst>
+          </p:nvPr>
+        </p:nvGraphicFramePr>
+        <p:xfrm>
+          <a:off x="2032000" y="1012274"/>
+          <a:ext cx="8128000" cy="741680"/>
+        </p:xfrm>
+        <a:graphic>
+          <a:graphicData uri="http://schemas.openxmlformats.org/drawingml/2006/table">
+            <a:tbl>
+              <a:tblPr firstRow="1" bandRow="1">
+                <a:tableStyleId>{5C22544A-7EE6-4342-B048-85BDC9FD1C3A}</a:tableStyleId>
+              </a:tblPr>
+              <a:tblGrid>
+                <a:gridCol w="2032000">
+                  <a:extLst>
+                    <a:ext uri="{9D8B030D-6E8A-4147-A177-3AD203B41FA5}">
+                      <a16:colId xmlns:a16="http://schemas.microsoft.com/office/drawing/2014/main" val="20000"/>
+                    </a:ext>
+                  </a:extLst>
+                </a:gridCol>
+                <a:gridCol w="2032000">
+                  <a:extLst>
+                    <a:ext uri="{9D8B030D-6E8A-4147-A177-3AD203B41FA5}">
+                      <a16:colId xmlns:a16="http://schemas.microsoft.com/office/drawing/2014/main" val="20001"/>
+                    </a:ext>
+                  </a:extLst>
+                </a:gridCol>
+                <a:gridCol w="2032000">
+                  <a:extLst>
+                    <a:ext uri="{9D8B030D-6E8A-4147-A177-3AD203B41FA5}">
+                      <a16:colId xmlns:a16="http://schemas.microsoft.com/office/drawing/2014/main" val="20002"/>
+                    </a:ext>
+                  </a:extLst>
+                </a:gridCol>
+                <a:gridCol w="2032000">
+                  <a:extLst>
+                    <a:ext uri="{9D8B030D-6E8A-4147-A177-3AD203B41FA5}">
+                      <a16:colId xmlns:a16="http://schemas.microsoft.com/office/drawing/2014/main" val="20003"/>
+                    </a:ext>
+                  </a:extLst>
+                </a:gridCol>
+              </a:tblGrid>
+              <a:tr h="370840">
+                <a:tc>
+                  <a:txBody>
+                    <a:bodyPr/>
+                    <a:lstStyle/>
+                    <a:p>
+                      <a:r>
+                        <a:rPr lang="pl-PL" dirty="0"/>
+                        <a:t>Argument</a:t>
+                      </a:r>
+                    </a:p>
+                  </a:txBody>
+                  <a:tcPr/>
+                </a:tc>
+                <a:tc>
+                  <a:txBody>
+                    <a:bodyPr/>
+                    <a:lstStyle/>
+                    <a:p>
+                      <a:pPr algn="ctr"/>
+                      <a:r>
+                        <a:rPr lang="pl-PL" dirty="0"/>
+                        <a:t>a</a:t>
+                      </a:r>
+                    </a:p>
+                  </a:txBody>
+                  <a:tcPr/>
+                </a:tc>
+                <a:tc>
+                  <a:txBody>
+                    <a:bodyPr/>
+                    <a:lstStyle/>
+                    <a:p>
+                      <a:pPr algn="ctr"/>
+                      <a:r>
+                        <a:rPr lang="pl-PL" dirty="0"/>
+                        <a:t>g</a:t>
+                      </a:r>
+                    </a:p>
+                  </a:txBody>
+                  <a:tcPr/>
+                </a:tc>
+                <a:tc>
+                  <a:txBody>
+                    <a:bodyPr/>
+                    <a:lstStyle/>
+                    <a:p>
+                      <a:pPr algn="ctr"/>
+                      <a:r>
+                        <a:rPr lang="pl-PL" dirty="0"/>
+                        <a:t>z</a:t>
+                      </a:r>
+                    </a:p>
+                  </a:txBody>
+                  <a:tcPr/>
+                </a:tc>
+                <a:extLst>
+                  <a:ext uri="{0D108BD9-81ED-4DB2-BD59-A6C34878D82A}">
+                    <a16:rowId xmlns:a16="http://schemas.microsoft.com/office/drawing/2014/main" val="10000"/>
+                  </a:ext>
+                </a:extLst>
+              </a:tr>
+              <a:tr h="370840">
+                <a:tc>
+                  <a:txBody>
+                    <a:bodyPr/>
+                    <a:lstStyle/>
+                    <a:p>
+                      <a:r>
+                        <a:rPr lang="pl-PL" dirty="0"/>
+                        <a:t>Wynik</a:t>
+                      </a:r>
+                    </a:p>
+                  </a:txBody>
+                  <a:tcPr/>
+                </a:tc>
+                <a:tc>
+                  <a:txBody>
+                    <a:bodyPr/>
+                    <a:lstStyle/>
+                    <a:p>
+                      <a:pPr algn="ctr"/>
+                      <a:r>
+                        <a:rPr lang="pl-PL" dirty="0"/>
+                        <a:t>c</a:t>
+                      </a:r>
+                    </a:p>
+                  </a:txBody>
+                  <a:tcPr/>
+                </a:tc>
+                <a:tc>
+                  <a:txBody>
+                    <a:bodyPr/>
+                    <a:lstStyle/>
+                    <a:p>
+                      <a:pPr algn="ctr"/>
+                      <a:r>
+                        <a:rPr lang="pl-PL" dirty="0"/>
+                        <a:t>i</a:t>
+                      </a:r>
+                    </a:p>
+                  </a:txBody>
+                  <a:tcPr/>
+                </a:tc>
+                <a:tc>
+                  <a:txBody>
+                    <a:bodyPr/>
+                    <a:lstStyle/>
+                    <a:p>
+                      <a:pPr algn="ctr"/>
+                      <a:r>
+                        <a:rPr lang="pl-PL" dirty="0"/>
+                        <a:t>b</a:t>
+                      </a:r>
+                    </a:p>
+                  </a:txBody>
+                  <a:tcPr/>
+                </a:tc>
+                <a:extLst>
+                  <a:ext uri="{0D108BD9-81ED-4DB2-BD59-A6C34878D82A}">
+                    <a16:rowId xmlns:a16="http://schemas.microsoft.com/office/drawing/2014/main" val="10001"/>
+                  </a:ext>
+                </a:extLst>
+              </a:tr>
+            </a:tbl>
+          </a:graphicData>
+        </a:graphic>
+      </p:graphicFrame>
+      <p:sp>
+        <p:nvSpPr>
+          <p:cNvPr id="6" name="pole tekstowe 5"/>
+          <p:cNvSpPr txBox="1"/>
+          <p:nvPr/>
+        </p:nvSpPr>
+        <p:spPr>
+          <a:xfrm>
+            <a:off x="719328" y="2877312"/>
+            <a:ext cx="1292352" cy="369332"/>
+          </a:xfrm>
+          <a:prstGeom prst="rect">
+            <a:avLst/>
+          </a:prstGeom>
+          <a:noFill/>
+        </p:spPr>
+        <p:txBody>
+          <a:bodyPr wrap="square" rtlCol="0">
+            <a:spAutoFit/>
+          </a:bodyPr>
           <a:lstStyle/>
           <a:p>
             <a:r>
               <a:rPr lang="pl-PL" dirty="0"/>
-              <a:t>Dana jest funkcja </a:t>
-            </a:r>
-            <a:r>
-              <a:rPr lang="pl-PL" b="1" dirty="0" err="1">
-                <a:latin typeface="Consolas" panose="020B0609020204030204" pitchFamily="49" charset="0"/>
-              </a:rPr>
-              <a:t>zawiera_wyraz</a:t>
-            </a:r>
-            <a:r>
-              <a:rPr lang="pl-PL" b="1" dirty="0">
-                <a:latin typeface="Consolas" panose="020B0609020204030204" pitchFamily="49" charset="0"/>
-              </a:rPr>
-              <a:t> </a:t>
-            </a:r>
+              <a:t>Funkcja 2</a:t>
+            </a:r>
+          </a:p>
+        </p:txBody>
+      </p:sp>
+      <p:graphicFrame>
+        <p:nvGraphicFramePr>
+          <p:cNvPr id="7" name="Tabela 6"/>
+          <p:cNvGraphicFramePr>
+            <a:graphicFrameLocks noGrp="1"/>
+          </p:cNvGraphicFramePr>
+          <p:nvPr>
+            <p:extLst>
+              <p:ext uri="{D42A27DB-BD31-4B8C-83A1-F6EECF244321}">
+                <p14:modId xmlns:p14="http://schemas.microsoft.com/office/powerpoint/2010/main" val="665524001"/>
+              </p:ext>
+            </p:extLst>
+          </p:nvPr>
+        </p:nvGraphicFramePr>
+        <p:xfrm>
+          <a:off x="2007616" y="3292178"/>
+          <a:ext cx="8128000" cy="741680"/>
+        </p:xfrm>
+        <a:graphic>
+          <a:graphicData uri="http://schemas.openxmlformats.org/drawingml/2006/table">
+            <a:tbl>
+              <a:tblPr firstRow="1" bandRow="1">
+                <a:tableStyleId>{5C22544A-7EE6-4342-B048-85BDC9FD1C3A}</a:tableStyleId>
+              </a:tblPr>
+              <a:tblGrid>
+                <a:gridCol w="2032000">
+                  <a:extLst>
+                    <a:ext uri="{9D8B030D-6E8A-4147-A177-3AD203B41FA5}">
+                      <a16:colId xmlns:a16="http://schemas.microsoft.com/office/drawing/2014/main" val="20000"/>
+                    </a:ext>
+                  </a:extLst>
+                </a:gridCol>
+                <a:gridCol w="2032000">
+                  <a:extLst>
+                    <a:ext uri="{9D8B030D-6E8A-4147-A177-3AD203B41FA5}">
+                      <a16:colId xmlns:a16="http://schemas.microsoft.com/office/drawing/2014/main" val="20001"/>
+                    </a:ext>
+                  </a:extLst>
+                </a:gridCol>
+                <a:gridCol w="2032000">
+                  <a:extLst>
+                    <a:ext uri="{9D8B030D-6E8A-4147-A177-3AD203B41FA5}">
+                      <a16:colId xmlns:a16="http://schemas.microsoft.com/office/drawing/2014/main" val="20002"/>
+                    </a:ext>
+                  </a:extLst>
+                </a:gridCol>
+                <a:gridCol w="2032000">
+                  <a:extLst>
+                    <a:ext uri="{9D8B030D-6E8A-4147-A177-3AD203B41FA5}">
+                      <a16:colId xmlns:a16="http://schemas.microsoft.com/office/drawing/2014/main" val="20003"/>
+                    </a:ext>
+                  </a:extLst>
+                </a:gridCol>
+              </a:tblGrid>
+              <a:tr h="370840">
+                <a:tc>
+                  <a:txBody>
+                    <a:bodyPr/>
+                    <a:lstStyle/>
+                    <a:p>
+                      <a:r>
+                        <a:rPr lang="pl-PL" dirty="0"/>
+                        <a:t>Argument</a:t>
+                      </a:r>
+                    </a:p>
+                  </a:txBody>
+                  <a:tcPr/>
+                </a:tc>
+                <a:tc>
+                  <a:txBody>
+                    <a:bodyPr/>
+                    <a:lstStyle/>
+                    <a:p>
+                      <a:pPr algn="ctr"/>
+                      <a:r>
+                        <a:rPr lang="pl-PL" dirty="0"/>
+                        <a:t>2; 10</a:t>
+                      </a:r>
+                    </a:p>
+                  </a:txBody>
+                  <a:tcPr/>
+                </a:tc>
+                <a:tc>
+                  <a:txBody>
+                    <a:bodyPr/>
+                    <a:lstStyle/>
+                    <a:p>
+                      <a:pPr algn="ctr"/>
+                      <a:r>
+                        <a:rPr lang="pl-PL" dirty="0"/>
+                        <a:t>3; 3</a:t>
+                      </a:r>
+                    </a:p>
+                  </a:txBody>
+                  <a:tcPr/>
+                </a:tc>
+                <a:tc>
+                  <a:txBody>
+                    <a:bodyPr/>
+                    <a:lstStyle/>
+                    <a:p>
+                      <a:pPr algn="ctr"/>
+                      <a:r>
+                        <a:rPr lang="pl-PL" dirty="0"/>
+                        <a:t>1; 5</a:t>
+                      </a:r>
+                    </a:p>
+                  </a:txBody>
+                  <a:tcPr/>
+                </a:tc>
+                <a:extLst>
+                  <a:ext uri="{0D108BD9-81ED-4DB2-BD59-A6C34878D82A}">
+                    <a16:rowId xmlns:a16="http://schemas.microsoft.com/office/drawing/2014/main" val="10000"/>
+                  </a:ext>
+                </a:extLst>
+              </a:tr>
+              <a:tr h="370840">
+                <a:tc>
+                  <a:txBody>
+                    <a:bodyPr/>
+                    <a:lstStyle/>
+                    <a:p>
+                      <a:r>
+                        <a:rPr lang="pl-PL" dirty="0"/>
+                        <a:t>Wynik</a:t>
+                      </a:r>
+                    </a:p>
+                  </a:txBody>
+                  <a:tcPr/>
+                </a:tc>
+                <a:tc>
+                  <a:txBody>
+                    <a:bodyPr/>
+                    <a:lstStyle/>
+                    <a:p>
+                      <a:pPr algn="ctr"/>
+                      <a:r>
+                        <a:rPr lang="pl-PL" dirty="0"/>
+                        <a:t>1024</a:t>
+                      </a:r>
+                    </a:p>
+                  </a:txBody>
+                  <a:tcPr/>
+                </a:tc>
+                <a:tc>
+                  <a:txBody>
+                    <a:bodyPr/>
+                    <a:lstStyle/>
+                    <a:p>
+                      <a:pPr algn="ctr"/>
+                      <a:r>
+                        <a:rPr lang="pl-PL" dirty="0"/>
+                        <a:t>27</a:t>
+                      </a:r>
+                    </a:p>
+                  </a:txBody>
+                  <a:tcPr/>
+                </a:tc>
+                <a:tc>
+                  <a:txBody>
+                    <a:bodyPr/>
+                    <a:lstStyle/>
+                    <a:p>
+                      <a:pPr algn="ctr"/>
+                      <a:r>
+                        <a:rPr lang="pl-PL" dirty="0"/>
+                        <a:t>1</a:t>
+                      </a:r>
+                    </a:p>
+                  </a:txBody>
+                  <a:tcPr/>
+                </a:tc>
+                <a:extLst>
+                  <a:ext uri="{0D108BD9-81ED-4DB2-BD59-A6C34878D82A}">
+                    <a16:rowId xmlns:a16="http://schemas.microsoft.com/office/drawing/2014/main" val="10001"/>
+                  </a:ext>
+                </a:extLst>
+              </a:tr>
+            </a:tbl>
+          </a:graphicData>
+        </a:graphic>
+      </p:graphicFrame>
+      <p:sp>
+        <p:nvSpPr>
+          <p:cNvPr id="8" name="pole tekstowe 7"/>
+          <p:cNvSpPr txBox="1"/>
+          <p:nvPr/>
+        </p:nvSpPr>
+        <p:spPr>
+          <a:xfrm>
+            <a:off x="816864" y="5108448"/>
+            <a:ext cx="1243584" cy="369332"/>
+          </a:xfrm>
+          <a:prstGeom prst="rect">
+            <a:avLst/>
+          </a:prstGeom>
+          <a:noFill/>
+        </p:spPr>
+        <p:txBody>
+          <a:bodyPr wrap="square" rtlCol="0">
+            <a:spAutoFit/>
+          </a:bodyPr>
+          <a:lstStyle/>
+          <a:p>
             <a:r>
               <a:rPr lang="pl-PL" dirty="0"/>
-              <a:t>napisana w C++</a:t>
-            </a:r>
-          </a:p>
-          <a:p>
-            <a:r>
-              <a:rPr lang="pl-PL" dirty="0"/>
-              <a:t>Wykorzystaj funkcję do rozwiązania zadania</a:t>
-            </a:r>
-          </a:p>
-          <a:p>
-            <a:r>
-              <a:rPr lang="pl-PL" dirty="0"/>
-              <a:t>Nie zmieniaj implementacji funkcji </a:t>
-            </a:r>
-            <a:r>
-              <a:rPr lang="pl-PL" b="1" dirty="0" err="1">
-                <a:latin typeface="Consolas" panose="020B0609020204030204" pitchFamily="49" charset="0"/>
-              </a:rPr>
-              <a:t>zawiera_wyraz</a:t>
-            </a:r>
-            <a:endParaRPr lang="pl-PL" b="1" dirty="0">
-              <a:latin typeface="Consolas" panose="020B0609020204030204" pitchFamily="49" charset="0"/>
-            </a:endParaRPr>
-          </a:p>
-          <a:p>
-            <a:r>
-              <a:rPr lang="pl-PL" dirty="0"/>
-              <a:t>Możesz założyć, że podana funkcja działa poprawnie dla danych zgodnych ze specyfikacją</a:t>
-            </a:r>
-          </a:p>
-        </p:txBody>
-      </p:sp>
+              <a:t>Funkcja 3</a:t>
+            </a:r>
+          </a:p>
+        </p:txBody>
+      </p:sp>
+      <p:graphicFrame>
+        <p:nvGraphicFramePr>
+          <p:cNvPr id="9" name="Tabela 8"/>
+          <p:cNvGraphicFramePr>
+            <a:graphicFrameLocks noGrp="1"/>
+          </p:cNvGraphicFramePr>
+          <p:nvPr>
+            <p:extLst>
+              <p:ext uri="{D42A27DB-BD31-4B8C-83A1-F6EECF244321}">
+                <p14:modId xmlns:p14="http://schemas.microsoft.com/office/powerpoint/2010/main" val="3686889824"/>
+              </p:ext>
+            </p:extLst>
+          </p:nvPr>
+        </p:nvGraphicFramePr>
+        <p:xfrm>
+          <a:off x="1983232" y="5340434"/>
+          <a:ext cx="8128000" cy="741680"/>
+        </p:xfrm>
+        <a:graphic>
+          <a:graphicData uri="http://schemas.openxmlformats.org/drawingml/2006/table">
+            <a:tbl>
+              <a:tblPr firstRow="1" bandRow="1">
+                <a:tableStyleId>{5C22544A-7EE6-4342-B048-85BDC9FD1C3A}</a:tableStyleId>
+              </a:tblPr>
+              <a:tblGrid>
+                <a:gridCol w="2032000">
+                  <a:extLst>
+                    <a:ext uri="{9D8B030D-6E8A-4147-A177-3AD203B41FA5}">
+                      <a16:colId xmlns:a16="http://schemas.microsoft.com/office/drawing/2014/main" val="20000"/>
+                    </a:ext>
+                  </a:extLst>
+                </a:gridCol>
+                <a:gridCol w="2032000">
+                  <a:extLst>
+                    <a:ext uri="{9D8B030D-6E8A-4147-A177-3AD203B41FA5}">
+                      <a16:colId xmlns:a16="http://schemas.microsoft.com/office/drawing/2014/main" val="20001"/>
+                    </a:ext>
+                  </a:extLst>
+                </a:gridCol>
+                <a:gridCol w="2032000">
+                  <a:extLst>
+                    <a:ext uri="{9D8B030D-6E8A-4147-A177-3AD203B41FA5}">
+                      <a16:colId xmlns:a16="http://schemas.microsoft.com/office/drawing/2014/main" val="20002"/>
+                    </a:ext>
+                  </a:extLst>
+                </a:gridCol>
+                <a:gridCol w="2032000">
+                  <a:extLst>
+                    <a:ext uri="{9D8B030D-6E8A-4147-A177-3AD203B41FA5}">
+                      <a16:colId xmlns:a16="http://schemas.microsoft.com/office/drawing/2014/main" val="20003"/>
+                    </a:ext>
+                  </a:extLst>
+                </a:gridCol>
+              </a:tblGrid>
+              <a:tr h="370840">
+                <a:tc>
+                  <a:txBody>
+                    <a:bodyPr/>
+                    <a:lstStyle/>
+                    <a:p>
+                      <a:r>
+                        <a:rPr lang="pl-PL" dirty="0"/>
+                        <a:t>Argument</a:t>
+                      </a:r>
+                    </a:p>
+                  </a:txBody>
+                  <a:tcPr/>
+                </a:tc>
+                <a:tc>
+                  <a:txBody>
+                    <a:bodyPr/>
+                    <a:lstStyle/>
+                    <a:p>
+                      <a:pPr algn="ctr"/>
+                      <a:r>
+                        <a:rPr lang="pl-PL" dirty="0"/>
+                        <a:t>3</a:t>
+                      </a:r>
+                    </a:p>
+                  </a:txBody>
+                  <a:tcPr/>
+                </a:tc>
+                <a:tc>
+                  <a:txBody>
+                    <a:bodyPr/>
+                    <a:lstStyle/>
+                    <a:p>
+                      <a:pPr algn="ctr"/>
+                      <a:r>
+                        <a:rPr lang="pl-PL" dirty="0"/>
+                        <a:t>14</a:t>
+                      </a:r>
+                    </a:p>
+                  </a:txBody>
+                  <a:tcPr/>
+                </a:tc>
+                <a:tc>
+                  <a:txBody>
+                    <a:bodyPr/>
+                    <a:lstStyle/>
+                    <a:p>
+                      <a:pPr algn="ctr"/>
+                      <a:r>
+                        <a:rPr lang="pl-PL" dirty="0"/>
+                        <a:t>100</a:t>
+                      </a:r>
+                    </a:p>
+                  </a:txBody>
+                  <a:tcPr/>
+                </a:tc>
+                <a:extLst>
+                  <a:ext uri="{0D108BD9-81ED-4DB2-BD59-A6C34878D82A}">
+                    <a16:rowId xmlns:a16="http://schemas.microsoft.com/office/drawing/2014/main" val="10000"/>
+                  </a:ext>
+                </a:extLst>
+              </a:tr>
+              <a:tr h="370840">
+                <a:tc>
+                  <a:txBody>
+                    <a:bodyPr/>
+                    <a:lstStyle/>
+                    <a:p>
+                      <a:r>
+                        <a:rPr lang="pl-PL" dirty="0"/>
+                        <a:t>Wynik</a:t>
+                      </a:r>
+                    </a:p>
+                  </a:txBody>
+                  <a:tcPr/>
+                </a:tc>
+                <a:tc>
+                  <a:txBody>
+                    <a:bodyPr/>
+                    <a:lstStyle/>
+                    <a:p>
+                      <a:pPr algn="ctr"/>
+                      <a:r>
+                        <a:rPr lang="pl-PL" dirty="0"/>
+                        <a:t>3</a:t>
+                      </a:r>
+                    </a:p>
+                  </a:txBody>
+                  <a:tcPr/>
+                </a:tc>
+                <a:tc>
+                  <a:txBody>
+                    <a:bodyPr/>
+                    <a:lstStyle/>
+                    <a:p>
+                      <a:pPr algn="ctr"/>
+                      <a:r>
+                        <a:rPr lang="pl-PL" dirty="0"/>
+                        <a:t>16</a:t>
+                      </a:r>
+                    </a:p>
+                  </a:txBody>
+                  <a:tcPr/>
+                </a:tc>
+                <a:tc>
+                  <a:txBody>
+                    <a:bodyPr/>
+                    <a:lstStyle/>
+                    <a:p>
+                      <a:pPr algn="ctr"/>
+                      <a:r>
+                        <a:rPr lang="pl-PL" dirty="0"/>
+                        <a:t>144</a:t>
+                      </a:r>
+                    </a:p>
+                  </a:txBody>
+                  <a:tcPr/>
+                </a:tc>
+                <a:extLst>
+                  <a:ext uri="{0D108BD9-81ED-4DB2-BD59-A6C34878D82A}">
+                    <a16:rowId xmlns:a16="http://schemas.microsoft.com/office/drawing/2014/main" val="10001"/>
+                  </a:ext>
+                </a:extLst>
+              </a:tr>
+            </a:tbl>
+          </a:graphicData>
+        </a:graphic>
+      </p:graphicFrame>
     </p:spTree>
     <p:extLst>
       <p:ext uri="{BB962C8B-B14F-4D97-AF65-F5344CB8AC3E}">
-        <p14:creationId xmlns:p14="http://schemas.microsoft.com/office/powerpoint/2010/main" val="320734028"/>
+        <p14:creationId xmlns:p14="http://schemas.microsoft.com/office/powerpoint/2010/main" val="833670445"/>
       </p:ext>
     </p:extLst>
   </p:cSld>
@@ -5293,7 +5993,7 @@
           <p:cNvPr id="2" name="Tytuł 1">
             <a:extLst>
               <a:ext uri="{FF2B5EF4-FFF2-40B4-BE49-F238E27FC236}">
-                <a16:creationId xmlns:a16="http://schemas.microsoft.com/office/drawing/2014/main" id="{D49D079B-4840-4F6D-9675-9AC47813F7E0}"/>
+                <a16:creationId xmlns:a16="http://schemas.microsoft.com/office/drawing/2014/main" id="{E8B74B54-056B-4C4A-B8A9-B4125A34D90D}"/>
               </a:ext>
             </a:extLst>
           </p:cNvPr>
@@ -5311,7 +6011,7 @@
           <a:p>
             <a:r>
               <a:rPr lang="pl-PL" dirty="0"/>
-              <a:t>Specyfikacja</a:t>
+              <a:t>Zadanie 2</a:t>
             </a:r>
           </a:p>
         </p:txBody>
@@ -5321,7 +6021,7 @@
           <p:cNvPr id="3" name="Symbol zastępczy zawartości 2">
             <a:extLst>
               <a:ext uri="{FF2B5EF4-FFF2-40B4-BE49-F238E27FC236}">
-                <a16:creationId xmlns:a16="http://schemas.microsoft.com/office/drawing/2014/main" id="{E1618B65-0F3C-48E4-B5BB-BE6C9E49119F}"/>
+                <a16:creationId xmlns:a16="http://schemas.microsoft.com/office/drawing/2014/main" id="{9B1621D0-81C5-47CA-AE43-1D532200A620}"/>
               </a:ext>
             </a:extLst>
           </p:cNvPr>
@@ -5337,114 +6037,60 @@
           <a:bodyPr/>
           <a:lstStyle/>
           <a:p>
-            <a:pPr marL="0" indent="0">
-              <a:buNone/>
-            </a:pPr>
             <a:r>
               <a:rPr lang="pl-PL" dirty="0"/>
-              <a:t>Dane:</a:t>
-            </a:r>
-          </a:p>
-          <a:p>
-            <a:pPr lvl="1"/>
-            <a:r>
-              <a:rPr lang="pl-PL" sz="2800" dirty="0">
+              <a:t>Dana jest funkcja </a:t>
+            </a:r>
+            <a:r>
+              <a:rPr lang="pl-PL" b="1" dirty="0" err="1">
                 <a:latin typeface="Consolas" panose="020B0609020204030204" pitchFamily="49" charset="0"/>
               </a:rPr>
-              <a:t>tekst</a:t>
-            </a:r>
-            <a:r>
-              <a:rPr lang="pl-PL" sz="2800" dirty="0"/>
-              <a:t> – ciąg znaków, tekst do przeszukania</a:t>
-            </a:r>
-          </a:p>
-          <a:p>
-            <a:pPr lvl="1"/>
-            <a:r>
-              <a:rPr lang="pl-PL" sz="2800" dirty="0">
+              <a:t>zawiera_wyraz</a:t>
+            </a:r>
+            <a:r>
+              <a:rPr lang="pl-PL" b="1" dirty="0">
                 <a:latin typeface="Consolas" panose="020B0609020204030204" pitchFamily="49" charset="0"/>
               </a:rPr>
-              <a:t>wyraz</a:t>
-            </a:r>
-            <a:r>
-              <a:rPr lang="pl-PL" sz="2800" dirty="0"/>
-              <a:t> – ciąg znaków, wyraz do znalezienia</a:t>
-            </a:r>
-          </a:p>
-          <a:p>
-            <a:pPr lvl="1"/>
-            <a:endParaRPr lang="pl-PL" sz="2800" dirty="0"/>
-          </a:p>
-          <a:p>
-            <a:pPr marL="0" indent="0">
-              <a:buNone/>
-            </a:pPr>
+              <a:t> </a:t>
+            </a:r>
             <a:r>
               <a:rPr lang="pl-PL" dirty="0"/>
-              <a:t>Wynik:</a:t>
-            </a:r>
-          </a:p>
-          <a:p>
-            <a:pPr lvl="1"/>
-            <a:r>
-              <a:rPr lang="pl-PL" sz="2800" dirty="0">
+              <a:t>napisana w C++</a:t>
+            </a:r>
+          </a:p>
+          <a:p>
+            <a:r>
+              <a:rPr lang="pl-PL" dirty="0"/>
+              <a:t>Wykorzystaj funkcję do rozwiązania zadania</a:t>
+            </a:r>
+          </a:p>
+          <a:p>
+            <a:r>
+              <a:rPr lang="pl-PL" dirty="0"/>
+              <a:t>Nie zmieniaj implementacji funkcji </a:t>
+            </a:r>
+            <a:r>
+              <a:rPr lang="pl-PL" b="1" dirty="0" err="1">
                 <a:latin typeface="Consolas" panose="020B0609020204030204" pitchFamily="49" charset="0"/>
               </a:rPr>
-              <a:t>True</a:t>
-            </a:r>
-            <a:r>
-              <a:rPr lang="pl-PL" sz="2800" dirty="0"/>
-              <a:t> – jeżeli </a:t>
-            </a:r>
-            <a:r>
-              <a:rPr lang="pl-PL" sz="2800" b="1" dirty="0">
-                <a:latin typeface="Consolas" panose="020B0609020204030204" pitchFamily="49" charset="0"/>
-              </a:rPr>
-              <a:t>wyraz</a:t>
-            </a:r>
-            <a:r>
-              <a:rPr lang="pl-PL" sz="2800" dirty="0"/>
-              <a:t> zawiera się w zmiennej </a:t>
-            </a:r>
-            <a:r>
-              <a:rPr lang="pl-PL" sz="2800" b="1" dirty="0">
-                <a:latin typeface="Consolas" panose="020B0609020204030204" pitchFamily="49" charset="0"/>
-              </a:rPr>
-              <a:t>tekst</a:t>
-            </a:r>
-          </a:p>
-          <a:p>
-            <a:pPr lvl="1"/>
-            <a:r>
-              <a:rPr lang="pl-PL" sz="2800" dirty="0" err="1">
-                <a:latin typeface="Consolas" panose="020B0609020204030204" pitchFamily="49" charset="0"/>
-              </a:rPr>
-              <a:t>False</a:t>
-            </a:r>
-            <a:r>
-              <a:rPr lang="pl-PL" sz="2800" b="1" dirty="0"/>
-              <a:t> </a:t>
-            </a:r>
-            <a:r>
-              <a:rPr lang="pl-PL" sz="2800" dirty="0"/>
-              <a:t>–</a:t>
-            </a:r>
-            <a:r>
-              <a:rPr lang="pl-PL" sz="2800" b="1" dirty="0"/>
-              <a:t> </a:t>
-            </a:r>
-            <a:r>
-              <a:rPr lang="pl-PL" sz="2800" dirty="0"/>
-              <a:t>w przeciwnym przypadku</a:t>
-            </a:r>
-            <a:endParaRPr lang="pl-PL" sz="2800" b="1" dirty="0"/>
+              <a:t>zawiera_wyraz</a:t>
+            </a:r>
+            <a:endParaRPr lang="pl-PL" b="1" dirty="0">
+              <a:latin typeface="Consolas" panose="020B0609020204030204" pitchFamily="49" charset="0"/>
+            </a:endParaRPr>
+          </a:p>
+          <a:p>
+            <a:r>
+              <a:rPr lang="pl-PL" dirty="0"/>
+              <a:t>Możesz założyć, że podana funkcja działa poprawnie dla danych zgodnych ze specyfikacją</a:t>
+            </a:r>
           </a:p>
         </p:txBody>
       </p:sp>
     </p:spTree>
     <p:extLst>
       <p:ext uri="{BB962C8B-B14F-4D97-AF65-F5344CB8AC3E}">
-        <p14:creationId xmlns:p14="http://schemas.microsoft.com/office/powerpoint/2010/main" val="3285775395"/>
+        <p14:creationId xmlns:p14="http://schemas.microsoft.com/office/powerpoint/2010/main" val="320734028"/>
       </p:ext>
     </p:extLst>
   </p:cSld>
@@ -5476,7 +6122,7 @@
           <p:cNvPr id="2" name="Tytuł 1">
             <a:extLst>
               <a:ext uri="{FF2B5EF4-FFF2-40B4-BE49-F238E27FC236}">
-                <a16:creationId xmlns:a16="http://schemas.microsoft.com/office/drawing/2014/main" id="{8FA205EC-9F4D-5E47-8221-358CCBBC6B6A}"/>
+                <a16:creationId xmlns:a16="http://schemas.microsoft.com/office/drawing/2014/main" id="{D49D079B-4840-4F6D-9675-9AC47813F7E0}"/>
               </a:ext>
             </a:extLst>
           </p:cNvPr>
@@ -5494,7 +6140,7 @@
           <a:p>
             <a:r>
               <a:rPr lang="pl-PL" dirty="0"/>
-              <a:t>Zadanie</a:t>
+              <a:t>Specyfikacja</a:t>
             </a:r>
           </a:p>
         </p:txBody>
@@ -5504,7 +6150,7 @@
           <p:cNvPr id="3" name="Symbol zastępczy zawartości 2">
             <a:extLst>
               <a:ext uri="{FF2B5EF4-FFF2-40B4-BE49-F238E27FC236}">
-                <a16:creationId xmlns:a16="http://schemas.microsoft.com/office/drawing/2014/main" id="{EF665904-FD03-F346-8621-6D31B626E562}"/>
+                <a16:creationId xmlns:a16="http://schemas.microsoft.com/office/drawing/2014/main" id="{E1618B65-0F3C-48E4-B5BB-BE6C9E49119F}"/>
               </a:ext>
             </a:extLst>
           </p:cNvPr>
@@ -5517,67 +6163,117 @@
         </p:nvSpPr>
         <p:spPr/>
         <p:txBody>
-          <a:bodyPr>
-            <a:normAutofit lnSpcReduction="10000"/>
-          </a:bodyPr>
-          <a:lstStyle/>
-          <a:p>
-            <a:pPr marL="0" indent="0" algn="just">
+          <a:bodyPr/>
+          <a:lstStyle/>
+          <a:p>
+            <a:pPr marL="0" indent="0">
               <a:buNone/>
             </a:pPr>
             <a:r>
               <a:rPr lang="pl-PL" dirty="0"/>
-              <a:t>Polityk Iksiński otrzymał ciąg znaków jako maila od swojego przeciwnika.  Iksiński podejrzewa, że w mailu zawarta jest wulgarna nazwa tylnej części ciała poniżej krzyża, pisana jawnie (obraza I-go stopnia) lub od tyłu (obraza  II-go stopnia). Napisz program wykorzystujący funkcję  </a:t>
-            </a:r>
-            <a:r>
-              <a:rPr lang="pl-PL" b="1" i="1" dirty="0" err="1"/>
-              <a:t>zawiera_wyraz</a:t>
-            </a:r>
-            <a:r>
-              <a:rPr lang="pl-PL" b="1" i="1" dirty="0"/>
+              <a:t>Dane:</a:t>
+            </a:r>
+          </a:p>
+          <a:p>
+            <a:pPr lvl="1"/>
+            <a:r>
+              <a:rPr lang="pl-PL" sz="2800" dirty="0">
+                <a:latin typeface="Consolas" panose="020B0609020204030204" pitchFamily="49" charset="0"/>
+              </a:rPr>
+              <a:t>tekst</a:t>
+            </a:r>
+            <a:r>
+              <a:rPr lang="pl-PL" sz="2800" dirty="0"/>
+              <a:t> – ciąg znaków, tekst do przeszukania</a:t>
+            </a:r>
+          </a:p>
+          <a:p>
+            <a:pPr lvl="1"/>
+            <a:r>
+              <a:rPr lang="pl-PL" sz="2800" dirty="0">
+                <a:latin typeface="Consolas" panose="020B0609020204030204" pitchFamily="49" charset="0"/>
+              </a:rPr>
+              <a:t>wyraz</a:t>
+            </a:r>
+            <a:r>
+              <a:rPr lang="pl-PL" sz="2800" dirty="0"/>
+              <a:t> – ciąg znaków, wyraz do znalezienia</a:t>
+            </a:r>
+          </a:p>
+          <a:p>
+            <a:pPr lvl="1"/>
+            <a:endParaRPr lang="pl-PL" sz="2800" dirty="0"/>
+          </a:p>
+          <a:p>
+            <a:pPr marL="0" indent="0">
+              <a:buNone/>
+            </a:pPr>
+            <a:r>
+              <a:rPr lang="pl-PL" dirty="0"/>
+              <a:t>Wynik:</a:t>
+            </a:r>
+          </a:p>
+          <a:p>
+            <a:pPr lvl="1"/>
+            <a:r>
+              <a:rPr lang="pl-PL" sz="2800" dirty="0">
+                <a:latin typeface="Consolas" panose="020B0609020204030204" pitchFamily="49" charset="0"/>
+              </a:rPr>
+              <a:t>True</a:t>
+            </a:r>
+            <a:r>
+              <a:rPr lang="pl-PL" sz="2800" dirty="0"/>
+              <a:t> – jeżeli </a:t>
+            </a:r>
+            <a:r>
+              <a:rPr lang="pl-PL" sz="2800" b="1" dirty="0">
+                <a:latin typeface="Consolas" panose="020B0609020204030204" pitchFamily="49" charset="0"/>
+              </a:rPr>
+              <a:t>wyraz</a:t>
+            </a:r>
+            <a:r>
+              <a:rPr lang="pl-PL" sz="2800" dirty="0"/>
+              <a:t> zawiera się w zmiennej </a:t>
+            </a:r>
+            <a:r>
+              <a:rPr lang="pl-PL" sz="2800" b="1" dirty="0">
+                <a:latin typeface="Consolas" panose="020B0609020204030204" pitchFamily="49" charset="0"/>
+              </a:rPr>
+              <a:t>tekst</a:t>
+            </a:r>
+          </a:p>
+          <a:p>
+            <a:pPr lvl="1"/>
+            <a:r>
+              <a:rPr lang="pl-PL" sz="2800" dirty="0" err="1">
+                <a:latin typeface="Consolas" panose="020B0609020204030204" pitchFamily="49" charset="0"/>
+              </a:rPr>
+              <a:t>False</a:t>
+            </a:r>
+            <a:r>
+              <a:rPr lang="pl-PL" sz="2800" b="1" dirty="0"/>
               <a:t> </a:t>
             </a:r>
             <a:r>
-              <a:rPr lang="pl-PL" dirty="0"/>
-              <a:t>i ustalający stopień obrazy (0 – brak obrazy, I lub II stopień obrazy). Program powinien ustalać stopień obrazy dla dowolnego ciągu znaków i wyrazu (np. imbecyl, debil, idiota, kretyn itd.)</a:t>
-            </a:r>
-          </a:p>
-          <a:p>
-            <a:pPr marL="0" indent="0">
-              <a:buNone/>
-            </a:pPr>
-            <a:endParaRPr lang="pl-PL" dirty="0"/>
-          </a:p>
-          <a:p>
-            <a:pPr marL="0" indent="0">
-              <a:buNone/>
-            </a:pPr>
-            <a:endParaRPr lang="pl-PL" dirty="0"/>
-          </a:p>
-          <a:p>
-            <a:pPr marL="0" indent="0">
-              <a:buNone/>
-            </a:pPr>
-            <a:r>
-              <a:rPr lang="pl-PL" dirty="0"/>
-              <a:t>Tekst maila: xertyapudws7r54dg67a</a:t>
-            </a:r>
-          </a:p>
-          <a:p>
-            <a:endParaRPr lang="pl-PL" dirty="0"/>
-          </a:p>
-          <a:p>
-            <a:pPr marL="0" indent="0">
-              <a:buNone/>
-            </a:pPr>
-            <a:endParaRPr lang="pl-PL" dirty="0"/>
+              <a:rPr lang="pl-PL" sz="2800" dirty="0"/>
+              <a:t>–</a:t>
+            </a:r>
+            <a:r>
+              <a:rPr lang="pl-PL" sz="2800" b="1" dirty="0"/>
+              <a:t> </a:t>
+            </a:r>
+            <a:r>
+              <a:rPr lang="pl-PL" sz="2800" dirty="0"/>
+              <a:t>w przeciwnym przypadku</a:t>
+            </a:r>
+            <a:endParaRPr lang="pl-PL" sz="2800" b="1" dirty="0"/>
           </a:p>
         </p:txBody>
       </p:sp>
     </p:spTree>
     <p:extLst>
       <p:ext uri="{BB962C8B-B14F-4D97-AF65-F5344CB8AC3E}">
-        <p14:creationId xmlns:p14="http://schemas.microsoft.com/office/powerpoint/2010/main" val="362869199"/>
+        <p14:creationId xmlns:p14="http://schemas.microsoft.com/office/powerpoint/2010/main" val="3285775395"/>
       </p:ext>
     </p:extLst>
   </p:cSld>
@@ -5609,7 +6305,7 @@
           <p:cNvPr id="2" name="Tytuł 1">
             <a:extLst>
               <a:ext uri="{FF2B5EF4-FFF2-40B4-BE49-F238E27FC236}">
-                <a16:creationId xmlns:a16="http://schemas.microsoft.com/office/drawing/2014/main" id="{D49D079B-4840-4F6D-9675-9AC47813F7E0}"/>
+                <a16:creationId xmlns:a16="http://schemas.microsoft.com/office/drawing/2014/main" id="{8FA205EC-9F4D-5E47-8221-358CCBBC6B6A}"/>
               </a:ext>
             </a:extLst>
           </p:cNvPr>
@@ -5627,7 +6323,7 @@
           <a:p>
             <a:r>
               <a:rPr lang="pl-PL" dirty="0"/>
-              <a:t>Specyfikacja zadania</a:t>
+              <a:t>Zadanie</a:t>
             </a:r>
           </a:p>
         </p:txBody>
@@ -5637,7 +6333,7 @@
           <p:cNvPr id="3" name="Symbol zastępczy zawartości 2">
             <a:extLst>
               <a:ext uri="{FF2B5EF4-FFF2-40B4-BE49-F238E27FC236}">
-                <a16:creationId xmlns:a16="http://schemas.microsoft.com/office/drawing/2014/main" id="{E1618B65-0F3C-48E4-B5BB-BE6C9E49119F}"/>
+                <a16:creationId xmlns:a16="http://schemas.microsoft.com/office/drawing/2014/main" id="{EF665904-FD03-F346-8621-6D31B626E562}"/>
               </a:ext>
             </a:extLst>
           </p:cNvPr>
@@ -5650,128 +6346,67 @@
         </p:nvSpPr>
         <p:spPr/>
         <p:txBody>
-          <a:bodyPr/>
-          <a:lstStyle/>
+          <a:bodyPr>
+            <a:normAutofit lnSpcReduction="10000"/>
+          </a:bodyPr>
+          <a:lstStyle/>
+          <a:p>
+            <a:pPr marL="0" indent="0" algn="just">
+              <a:buNone/>
+            </a:pPr>
+            <a:r>
+              <a:rPr lang="pl-PL" dirty="0"/>
+              <a:t>Polityk Iksiński otrzymał ciąg znaków jako maila od swojego przeciwnika.  Iksiński podejrzewa, że w mailu zawarta jest wulgarna nazwa tylnej części ciała poniżej krzyża, pisana jawnie (obraza I-go stopnia) lub od tyłu (obraza  II-go stopnia). Napisz program wykorzystujący funkcję  </a:t>
+            </a:r>
+            <a:r>
+              <a:rPr lang="pl-PL" b="1" i="1" dirty="0" err="1"/>
+              <a:t>zawiera_wyraz</a:t>
+            </a:r>
+            <a:r>
+              <a:rPr lang="pl-PL" b="1" i="1" dirty="0"/>
+              <a:t> </a:t>
+            </a:r>
+            <a:r>
+              <a:rPr lang="pl-PL" dirty="0"/>
+              <a:t>i ustalający stopień obrazy (0 – brak obrazy, I lub II stopień obrazy). Program powinien ustalać stopień obrazy dla dowolnego ciągu znaków i wyrazu (np. imbecyl, debil, idiota, kretyn itd.)</a:t>
+            </a:r>
+          </a:p>
           <a:p>
             <a:pPr marL="0" indent="0">
               <a:buNone/>
             </a:pPr>
+            <a:endParaRPr lang="pl-PL" dirty="0"/>
+          </a:p>
+          <a:p>
+            <a:pPr marL="0" indent="0">
+              <a:buNone/>
+            </a:pPr>
+            <a:endParaRPr lang="pl-PL" dirty="0"/>
+          </a:p>
+          <a:p>
+            <a:pPr marL="0" indent="0">
+              <a:buNone/>
+            </a:pPr>
             <a:r>
               <a:rPr lang="pl-PL" dirty="0"/>
-              <a:t>Dane:</a:t>
-            </a:r>
-          </a:p>
-          <a:p>
-            <a:pPr lvl="1"/>
-            <a:r>
-              <a:rPr lang="pl-PL" sz="2800" dirty="0">
-                <a:latin typeface="Consolas" panose="020B0609020204030204" pitchFamily="49" charset="0"/>
-              </a:rPr>
-              <a:t>tekst</a:t>
-            </a:r>
-            <a:r>
-              <a:rPr lang="pl-PL" sz="2800" dirty="0"/>
-              <a:t> – ciąg znaków</a:t>
-            </a:r>
-          </a:p>
-          <a:p>
-            <a:pPr lvl="1"/>
-            <a:r>
-              <a:rPr lang="pl-PL" sz="2800" dirty="0">
-                <a:latin typeface="Consolas" panose="020B0609020204030204" pitchFamily="49" charset="0"/>
-              </a:rPr>
-              <a:t>wyraz</a:t>
-            </a:r>
-            <a:r>
-              <a:rPr lang="pl-PL" sz="2800" dirty="0"/>
-              <a:t> – ciąg znaków nie dłuższy niż tekst</a:t>
-            </a:r>
-          </a:p>
-          <a:p>
-            <a:pPr lvl="1"/>
-            <a:endParaRPr lang="pl-PL" sz="2800" dirty="0"/>
+              <a:t>Tekst maila: xertyapudws7r54dg67a</a:t>
+            </a:r>
+          </a:p>
+          <a:p>
+            <a:endParaRPr lang="pl-PL" dirty="0"/>
           </a:p>
           <a:p>
             <a:pPr marL="0" indent="0">
               <a:buNone/>
             </a:pPr>
-            <a:r>
-              <a:rPr lang="pl-PL" dirty="0"/>
-              <a:t>Wynik:</a:t>
-            </a:r>
-          </a:p>
-          <a:p>
-            <a:pPr lvl="1"/>
-            <a:r>
-              <a:rPr lang="pl-PL" sz="2800" dirty="0">
-                <a:latin typeface="Consolas" panose="020B0609020204030204" pitchFamily="49" charset="0"/>
-              </a:rPr>
-              <a:t>Obraza 0 stopnia</a:t>
-            </a:r>
-            <a:r>
-              <a:rPr lang="pl-PL" sz="2800" dirty="0"/>
-              <a:t> – jeżeli tekst nie zawiera wyrazu lub wyrazu pisanego od tyło</a:t>
-            </a:r>
-            <a:endParaRPr lang="pl-PL" sz="2800" b="1" dirty="0">
-              <a:latin typeface="Consolas" panose="020B0609020204030204" pitchFamily="49" charset="0"/>
-            </a:endParaRPr>
-          </a:p>
-          <a:p>
-            <a:pPr lvl="1"/>
-            <a:r>
-              <a:rPr lang="pl-PL" sz="2800" dirty="0">
-                <a:latin typeface="Consolas" panose="020B0609020204030204" pitchFamily="49" charset="0"/>
-              </a:rPr>
-              <a:t>Obraza 1 stopnia</a:t>
-            </a:r>
-            <a:r>
-              <a:rPr lang="pl-PL" sz="2800" b="1" dirty="0"/>
-              <a:t> </a:t>
-            </a:r>
-            <a:r>
-              <a:rPr lang="pl-PL" sz="2800" dirty="0"/>
-              <a:t>–</a:t>
-            </a:r>
-            <a:r>
-              <a:rPr lang="pl-PL" sz="2800" b="1" dirty="0"/>
-              <a:t> </a:t>
-            </a:r>
-            <a:r>
-              <a:rPr lang="pl-PL" sz="2800" dirty="0"/>
-              <a:t>jeżeli tekst zawiera wyraz</a:t>
-            </a:r>
-          </a:p>
-          <a:p>
-            <a:pPr lvl="1"/>
-            <a:r>
-              <a:rPr lang="pl-PL" sz="2800" dirty="0">
-                <a:latin typeface="Consolas" panose="020B0609020204030204" pitchFamily="49" charset="0"/>
-              </a:rPr>
-              <a:t>Obraza 2 stopnia</a:t>
-            </a:r>
-            <a:r>
-              <a:rPr lang="pl-PL" sz="2800" b="1" dirty="0"/>
-              <a:t> </a:t>
-            </a:r>
-            <a:r>
-              <a:rPr lang="pl-PL" sz="2800" dirty="0"/>
-              <a:t>–</a:t>
-            </a:r>
-            <a:r>
-              <a:rPr lang="pl-PL" sz="2800" b="1" dirty="0"/>
-              <a:t> </a:t>
-            </a:r>
-            <a:r>
-              <a:rPr lang="pl-PL" sz="2800" dirty="0"/>
-              <a:t>jeżeli tekst zawiera wyraz pisany od tyłu</a:t>
-            </a:r>
+            <a:endParaRPr lang="pl-PL" dirty="0"/>
           </a:p>
         </p:txBody>
       </p:sp>
     </p:spTree>
     <p:extLst>
       <p:ext uri="{BB962C8B-B14F-4D97-AF65-F5344CB8AC3E}">
-        <p14:creationId xmlns:p14="http://schemas.microsoft.com/office/powerpoint/2010/main" val="37444799"/>
+        <p14:creationId xmlns:p14="http://schemas.microsoft.com/office/powerpoint/2010/main" val="362869199"/>
       </p:ext>
     </p:extLst>
   </p:cSld>
@@ -5803,7 +6438,7 @@
           <p:cNvPr id="2" name="Tytuł 1">
             <a:extLst>
               <a:ext uri="{FF2B5EF4-FFF2-40B4-BE49-F238E27FC236}">
-                <a16:creationId xmlns:a16="http://schemas.microsoft.com/office/drawing/2014/main" id="{55A726BB-AC70-BF44-A2F6-AF6C389174AB}"/>
+                <a16:creationId xmlns:a16="http://schemas.microsoft.com/office/drawing/2014/main" id="{D49D079B-4840-4F6D-9675-9AC47813F7E0}"/>
               </a:ext>
             </a:extLst>
           </p:cNvPr>
@@ -5821,7 +6456,7 @@
           <a:p>
             <a:r>
               <a:rPr lang="pl-PL" dirty="0"/>
-              <a:t>Przykłady</a:t>
+              <a:t>Specyfikacja zadania</a:t>
             </a:r>
           </a:p>
         </p:txBody>
@@ -5831,7 +6466,7 @@
           <p:cNvPr id="3" name="Symbol zastępczy zawartości 2">
             <a:extLst>
               <a:ext uri="{FF2B5EF4-FFF2-40B4-BE49-F238E27FC236}">
-                <a16:creationId xmlns:a16="http://schemas.microsoft.com/office/drawing/2014/main" id="{A5E878CC-3F4A-F64C-963E-9286DAE55E23}"/>
+                <a16:creationId xmlns:a16="http://schemas.microsoft.com/office/drawing/2014/main" id="{E1618B65-0F3C-48E4-B5BB-BE6C9E49119F}"/>
               </a:ext>
             </a:extLst>
           </p:cNvPr>
@@ -5844,99 +6479,128 @@
         </p:nvSpPr>
         <p:spPr/>
         <p:txBody>
-          <a:bodyPr>
-            <a:normAutofit fontScale="85000" lnSpcReduction="20000"/>
-          </a:bodyPr>
-          <a:lstStyle/>
-          <a:p>
+          <a:bodyPr/>
+          <a:lstStyle/>
+          <a:p>
+            <a:pPr marL="0" indent="0">
+              <a:buNone/>
+            </a:pPr>
             <a:r>
               <a:rPr lang="pl-PL" dirty="0"/>
-              <a:t>Tekst: werd0debilopiku</a:t>
-            </a:r>
-          </a:p>
-          <a:p>
+              <a:t>Dane:</a:t>
+            </a:r>
+          </a:p>
+          <a:p>
+            <a:pPr lvl="1"/>
+            <a:r>
+              <a:rPr lang="pl-PL" sz="2800" dirty="0">
+                <a:latin typeface="Consolas" panose="020B0609020204030204" pitchFamily="49" charset="0"/>
+              </a:rPr>
+              <a:t>tekst</a:t>
+            </a:r>
+            <a:r>
+              <a:rPr lang="pl-PL" sz="2800" dirty="0"/>
+              <a:t> – ciąg znaków</a:t>
+            </a:r>
+          </a:p>
+          <a:p>
+            <a:pPr lvl="1"/>
+            <a:r>
+              <a:rPr lang="pl-PL" sz="2800" dirty="0">
+                <a:latin typeface="Consolas" panose="020B0609020204030204" pitchFamily="49" charset="0"/>
+              </a:rPr>
+              <a:t>wyraz</a:t>
+            </a:r>
+            <a:r>
+              <a:rPr lang="pl-PL" sz="2800" dirty="0"/>
+              <a:t> – ciąg znaków nie dłuższy niż tekst</a:t>
+            </a:r>
+          </a:p>
+          <a:p>
+            <a:pPr lvl="1"/>
+            <a:endParaRPr lang="pl-PL" sz="2800" dirty="0"/>
+          </a:p>
+          <a:p>
+            <a:pPr marL="0" indent="0">
+              <a:buNone/>
+            </a:pPr>
             <a:r>
               <a:rPr lang="pl-PL" dirty="0"/>
-              <a:t>Wyraz: debil</a:t>
-            </a:r>
-          </a:p>
-          <a:p>
-            <a:r>
-              <a:rPr lang="pl-PL" dirty="0"/>
-              <a:t>Wynik: Obraza I-go stopnia</a:t>
-            </a:r>
-          </a:p>
-          <a:p>
-            <a:pPr marL="0" indent="0">
-              <a:buNone/>
-            </a:pPr>
-            <a:endParaRPr lang="pl-PL" dirty="0"/>
-          </a:p>
-          <a:p>
-            <a:r>
-              <a:rPr lang="pl-PL" dirty="0"/>
-              <a:t>Tekst: frgoplapud0qwe</a:t>
-            </a:r>
-          </a:p>
-          <a:p>
-            <a:r>
-              <a:rPr lang="pl-PL" dirty="0"/>
-              <a:t>Wyraz: dupa</a:t>
-            </a:r>
-          </a:p>
-          <a:p>
-            <a:r>
-              <a:rPr lang="pl-PL" dirty="0"/>
-              <a:t>Wynik: Obraza II-go stopnia</a:t>
-            </a:r>
-          </a:p>
-          <a:p>
-            <a:endParaRPr lang="pl-PL" dirty="0"/>
-          </a:p>
-          <a:p>
-            <a:r>
-              <a:rPr lang="pl-PL" dirty="0"/>
-              <a:t>Tekst: </a:t>
-            </a:r>
-            <a:r>
-              <a:rPr lang="pl-PL" dirty="0" err="1"/>
-              <a:t>sdifjgrgorernfsefrhgregrr</a:t>
-            </a:r>
-            <a:endParaRPr lang="pl-PL" dirty="0"/>
-          </a:p>
-          <a:p>
-            <a:r>
-              <a:rPr lang="pl-PL" dirty="0"/>
-              <a:t>Wyraz : idiota</a:t>
-            </a:r>
-          </a:p>
-          <a:p>
-            <a:r>
-              <a:rPr lang="pl-PL" dirty="0"/>
-              <a:t>Wynik: Obraza 0-go stopnia (brak obrazy)</a:t>
-            </a:r>
-          </a:p>
-          <a:p>
-            <a:endParaRPr lang="pl-PL" dirty="0"/>
-          </a:p>
-          <a:p>
-            <a:endParaRPr lang="pl-PL" dirty="0"/>
-          </a:p>
-          <a:p>
-            <a:pPr marL="0" indent="0">
-              <a:buNone/>
-            </a:pPr>
-            <a:endParaRPr lang="pl-PL" dirty="0"/>
-          </a:p>
-          <a:p>
-            <a:endParaRPr lang="pl-PL" dirty="0"/>
+              <a:t>Wynik:</a:t>
+            </a:r>
+          </a:p>
+          <a:p>
+            <a:pPr lvl="1"/>
+            <a:r>
+              <a:rPr lang="pl-PL" sz="2800" dirty="0">
+                <a:latin typeface="Consolas" panose="020B0609020204030204" pitchFamily="49" charset="0"/>
+              </a:rPr>
+              <a:t>Obraza 0 stopnia</a:t>
+            </a:r>
+            <a:r>
+              <a:rPr lang="pl-PL" sz="2800" dirty="0"/>
+              <a:t> – jeżeli tekst nie zawiera wyrazu lub wyrazu pisanego od tyło</a:t>
+            </a:r>
+            <a:endParaRPr lang="pl-PL" sz="2800" b="1" dirty="0">
+              <a:latin typeface="Consolas" panose="020B0609020204030204" pitchFamily="49" charset="0"/>
+            </a:endParaRPr>
+          </a:p>
+          <a:p>
+            <a:pPr lvl="1"/>
+            <a:r>
+              <a:rPr lang="pl-PL" sz="2800" dirty="0">
+                <a:latin typeface="Consolas" panose="020B0609020204030204" pitchFamily="49" charset="0"/>
+              </a:rPr>
+              <a:t>Obraza 1 stopnia</a:t>
+            </a:r>
+            <a:r>
+              <a:rPr lang="pl-PL" sz="2800" b="1" dirty="0"/>
+              <a:t> </a:t>
+            </a:r>
+            <a:r>
+              <a:rPr lang="pl-PL" sz="2800" dirty="0"/>
+              <a:t>–</a:t>
+            </a:r>
+            <a:r>
+              <a:rPr lang="pl-PL" sz="2800" b="1" dirty="0"/>
+              <a:t> </a:t>
+            </a:r>
+            <a:r>
+              <a:rPr lang="pl-PL" sz="2800" dirty="0"/>
+              <a:t>jeżeli tekst zawiera wyraz</a:t>
+            </a:r>
+          </a:p>
+          <a:p>
+            <a:pPr lvl="1"/>
+            <a:r>
+              <a:rPr lang="pl-PL" sz="2800" dirty="0">
+                <a:latin typeface="Consolas" panose="020B0609020204030204" pitchFamily="49" charset="0"/>
+              </a:rPr>
+              <a:t>Obraza 2 stopnia</a:t>
+            </a:r>
+            <a:r>
+              <a:rPr lang="pl-PL" sz="2800" b="1" dirty="0"/>
+              <a:t> </a:t>
+            </a:r>
+            <a:r>
+              <a:rPr lang="pl-PL" sz="2800" dirty="0"/>
+              <a:t>–</a:t>
+            </a:r>
+            <a:r>
+              <a:rPr lang="pl-PL" sz="2800" b="1" dirty="0"/>
+              <a:t> </a:t>
+            </a:r>
+            <a:r>
+              <a:rPr lang="pl-PL" sz="2800" dirty="0"/>
+              <a:t>jeżeli tekst zawiera wyraz pisany od tyłu</a:t>
+            </a:r>
           </a:p>
         </p:txBody>
       </p:sp>
     </p:spTree>
     <p:extLst>
       <p:ext uri="{BB962C8B-B14F-4D97-AF65-F5344CB8AC3E}">
-        <p14:creationId xmlns:p14="http://schemas.microsoft.com/office/powerpoint/2010/main" val="1837682957"/>
+        <p14:creationId xmlns:p14="http://schemas.microsoft.com/office/powerpoint/2010/main" val="37444799"/>
       </p:ext>
     </p:extLst>
   </p:cSld>

--- a/Wprowadzenie do funkcji/IV. Wprowadzenie do funkcji/Zadania.pptx
+++ b/Wprowadzenie do funkcji/IV. Wprowadzenie do funkcji/Zadania.pptx
@@ -282,7 +282,7 @@
             <a:fld id="{EE943B78-06A0-4E92-ADB6-4BAA084F345E}" type="datetimeFigureOut">
               <a:rPr lang="pl-PL" smtClean="0"/>
               <a:pPr/>
-              <a:t>15.05.2018</a:t>
+              <a:t>30.05.2018</a:t>
             </a:fld>
             <a:endParaRPr lang="pl-PL"/>
           </a:p>
@@ -482,7 +482,7 @@
             <a:fld id="{EE943B78-06A0-4E92-ADB6-4BAA084F345E}" type="datetimeFigureOut">
               <a:rPr lang="pl-PL" smtClean="0"/>
               <a:pPr/>
-              <a:t>15.05.2018</a:t>
+              <a:t>30.05.2018</a:t>
             </a:fld>
             <a:endParaRPr lang="pl-PL"/>
           </a:p>
@@ -692,7 +692,7 @@
             <a:fld id="{EE943B78-06A0-4E92-ADB6-4BAA084F345E}" type="datetimeFigureOut">
               <a:rPr lang="pl-PL" smtClean="0"/>
               <a:pPr/>
-              <a:t>15.05.2018</a:t>
+              <a:t>30.05.2018</a:t>
             </a:fld>
             <a:endParaRPr lang="pl-PL"/>
           </a:p>
@@ -892,7 +892,7 @@
             <a:fld id="{EE943B78-06A0-4E92-ADB6-4BAA084F345E}" type="datetimeFigureOut">
               <a:rPr lang="pl-PL" smtClean="0"/>
               <a:pPr/>
-              <a:t>15.05.2018</a:t>
+              <a:t>30.05.2018</a:t>
             </a:fld>
             <a:endParaRPr lang="pl-PL"/>
           </a:p>
@@ -1169,7 +1169,7 @@
             <a:fld id="{EE943B78-06A0-4E92-ADB6-4BAA084F345E}" type="datetimeFigureOut">
               <a:rPr lang="pl-PL" smtClean="0"/>
               <a:pPr/>
-              <a:t>15.05.2018</a:t>
+              <a:t>30.05.2018</a:t>
             </a:fld>
             <a:endParaRPr lang="pl-PL"/>
           </a:p>
@@ -1436,7 +1436,7 @@
             <a:fld id="{EE943B78-06A0-4E92-ADB6-4BAA084F345E}" type="datetimeFigureOut">
               <a:rPr lang="pl-PL" smtClean="0"/>
               <a:pPr/>
-              <a:t>15.05.2018</a:t>
+              <a:t>30.05.2018</a:t>
             </a:fld>
             <a:endParaRPr lang="pl-PL"/>
           </a:p>
@@ -1850,7 +1850,7 @@
             <a:fld id="{EE943B78-06A0-4E92-ADB6-4BAA084F345E}" type="datetimeFigureOut">
               <a:rPr lang="pl-PL" smtClean="0"/>
               <a:pPr/>
-              <a:t>15.05.2018</a:t>
+              <a:t>30.05.2018</a:t>
             </a:fld>
             <a:endParaRPr lang="pl-PL"/>
           </a:p>
@@ -1993,7 +1993,7 @@
             <a:fld id="{EE943B78-06A0-4E92-ADB6-4BAA084F345E}" type="datetimeFigureOut">
               <a:rPr lang="pl-PL" smtClean="0"/>
               <a:pPr/>
-              <a:t>15.05.2018</a:t>
+              <a:t>30.05.2018</a:t>
             </a:fld>
             <a:endParaRPr lang="pl-PL"/>
           </a:p>
@@ -2108,7 +2108,7 @@
             <a:fld id="{EE943B78-06A0-4E92-ADB6-4BAA084F345E}" type="datetimeFigureOut">
               <a:rPr lang="pl-PL" smtClean="0"/>
               <a:pPr/>
-              <a:t>15.05.2018</a:t>
+              <a:t>30.05.2018</a:t>
             </a:fld>
             <a:endParaRPr lang="pl-PL"/>
           </a:p>
@@ -2421,7 +2421,7 @@
             <a:fld id="{EE943B78-06A0-4E92-ADB6-4BAA084F345E}" type="datetimeFigureOut">
               <a:rPr lang="pl-PL" smtClean="0"/>
               <a:pPr/>
-              <a:t>15.05.2018</a:t>
+              <a:t>30.05.2018</a:t>
             </a:fld>
             <a:endParaRPr lang="pl-PL"/>
           </a:p>
@@ -2711,7 +2711,7 @@
             <a:fld id="{EE943B78-06A0-4E92-ADB6-4BAA084F345E}" type="datetimeFigureOut">
               <a:rPr lang="pl-PL" smtClean="0"/>
               <a:pPr/>
-              <a:t>15.05.2018</a:t>
+              <a:t>30.05.2018</a:t>
             </a:fld>
             <a:endParaRPr lang="pl-PL"/>
           </a:p>
@@ -2954,7 +2954,7 @@
             <a:fld id="{EE943B78-06A0-4E92-ADB6-4BAA084F345E}" type="datetimeFigureOut">
               <a:rPr lang="pl-PL" smtClean="0"/>
               <a:pPr/>
-              <a:t>15.05.2018</a:t>
+              <a:t>30.05.2018</a:t>
             </a:fld>
             <a:endParaRPr lang="pl-PL"/>
           </a:p>
@@ -5785,7 +5785,7 @@
           <p:nvPr>
             <p:extLst>
               <p:ext uri="{D42A27DB-BD31-4B8C-83A1-F6EECF244321}">
-                <p14:modId xmlns:p14="http://schemas.microsoft.com/office/powerpoint/2010/main" val="3686889824"/>
+                <p14:modId xmlns:p14="http://schemas.microsoft.com/office/powerpoint/2010/main" val="1783200185"/>
               </p:ext>
             </p:extLst>
           </p:nvPr>

--- a/Wprowadzenie do funkcji/IV. Wprowadzenie do funkcji/Zadania.pptx
+++ b/Wprowadzenie do funkcji/IV. Wprowadzenie do funkcji/Zadania.pptx
@@ -282,7 +282,7 @@
             <a:fld id="{EE943B78-06A0-4E92-ADB6-4BAA084F345E}" type="datetimeFigureOut">
               <a:rPr lang="pl-PL" smtClean="0"/>
               <a:pPr/>
-              <a:t>30.05.2018</a:t>
+              <a:t>04.06.2018</a:t>
             </a:fld>
             <a:endParaRPr lang="pl-PL"/>
           </a:p>
@@ -482,7 +482,7 @@
             <a:fld id="{EE943B78-06A0-4E92-ADB6-4BAA084F345E}" type="datetimeFigureOut">
               <a:rPr lang="pl-PL" smtClean="0"/>
               <a:pPr/>
-              <a:t>30.05.2018</a:t>
+              <a:t>04.06.2018</a:t>
             </a:fld>
             <a:endParaRPr lang="pl-PL"/>
           </a:p>
@@ -692,7 +692,7 @@
             <a:fld id="{EE943B78-06A0-4E92-ADB6-4BAA084F345E}" type="datetimeFigureOut">
               <a:rPr lang="pl-PL" smtClean="0"/>
               <a:pPr/>
-              <a:t>30.05.2018</a:t>
+              <a:t>04.06.2018</a:t>
             </a:fld>
             <a:endParaRPr lang="pl-PL"/>
           </a:p>
@@ -892,7 +892,7 @@
             <a:fld id="{EE943B78-06A0-4E92-ADB6-4BAA084F345E}" type="datetimeFigureOut">
               <a:rPr lang="pl-PL" smtClean="0"/>
               <a:pPr/>
-              <a:t>30.05.2018</a:t>
+              <a:t>04.06.2018</a:t>
             </a:fld>
             <a:endParaRPr lang="pl-PL"/>
           </a:p>
@@ -1169,7 +1169,7 @@
             <a:fld id="{EE943B78-06A0-4E92-ADB6-4BAA084F345E}" type="datetimeFigureOut">
               <a:rPr lang="pl-PL" smtClean="0"/>
               <a:pPr/>
-              <a:t>30.05.2018</a:t>
+              <a:t>04.06.2018</a:t>
             </a:fld>
             <a:endParaRPr lang="pl-PL"/>
           </a:p>
@@ -1436,7 +1436,7 @@
             <a:fld id="{EE943B78-06A0-4E92-ADB6-4BAA084F345E}" type="datetimeFigureOut">
               <a:rPr lang="pl-PL" smtClean="0"/>
               <a:pPr/>
-              <a:t>30.05.2018</a:t>
+              <a:t>04.06.2018</a:t>
             </a:fld>
             <a:endParaRPr lang="pl-PL"/>
           </a:p>
@@ -1850,7 +1850,7 @@
             <a:fld id="{EE943B78-06A0-4E92-ADB6-4BAA084F345E}" type="datetimeFigureOut">
               <a:rPr lang="pl-PL" smtClean="0"/>
               <a:pPr/>
-              <a:t>30.05.2018</a:t>
+              <a:t>04.06.2018</a:t>
             </a:fld>
             <a:endParaRPr lang="pl-PL"/>
           </a:p>
@@ -1993,7 +1993,7 @@
             <a:fld id="{EE943B78-06A0-4E92-ADB6-4BAA084F345E}" type="datetimeFigureOut">
               <a:rPr lang="pl-PL" smtClean="0"/>
               <a:pPr/>
-              <a:t>30.05.2018</a:t>
+              <a:t>04.06.2018</a:t>
             </a:fld>
             <a:endParaRPr lang="pl-PL"/>
           </a:p>
@@ -2108,7 +2108,7 @@
             <a:fld id="{EE943B78-06A0-4E92-ADB6-4BAA084F345E}" type="datetimeFigureOut">
               <a:rPr lang="pl-PL" smtClean="0"/>
               <a:pPr/>
-              <a:t>30.05.2018</a:t>
+              <a:t>04.06.2018</a:t>
             </a:fld>
             <a:endParaRPr lang="pl-PL"/>
           </a:p>
@@ -2421,7 +2421,7 @@
             <a:fld id="{EE943B78-06A0-4E92-ADB6-4BAA084F345E}" type="datetimeFigureOut">
               <a:rPr lang="pl-PL" smtClean="0"/>
               <a:pPr/>
-              <a:t>30.05.2018</a:t>
+              <a:t>04.06.2018</a:t>
             </a:fld>
             <a:endParaRPr lang="pl-PL"/>
           </a:p>
@@ -2711,7 +2711,7 @@
             <a:fld id="{EE943B78-06A0-4E92-ADB6-4BAA084F345E}" type="datetimeFigureOut">
               <a:rPr lang="pl-PL" smtClean="0"/>
               <a:pPr/>
-              <a:t>30.05.2018</a:t>
+              <a:t>04.06.2018</a:t>
             </a:fld>
             <a:endParaRPr lang="pl-PL"/>
           </a:p>
@@ -2954,7 +2954,7 @@
             <a:fld id="{EE943B78-06A0-4E92-ADB6-4BAA084F345E}" type="datetimeFigureOut">
               <a:rPr lang="pl-PL" smtClean="0"/>
               <a:pPr/>
-              <a:t>30.05.2018</a:t>
+              <a:t>04.06.2018</a:t>
             </a:fld>
             <a:endParaRPr lang="pl-PL"/>
           </a:p>
@@ -3987,7 +3987,7 @@
 </file>
 
 <file path=ppt/slides/slide3.xml><?xml version="1.0" encoding="utf-8"?>
-<p:sld xmlns:a="http://schemas.openxmlformats.org/drawingml/2006/main" xmlns:r="http://schemas.openxmlformats.org/officeDocument/2006/relationships" xmlns:p="http://schemas.openxmlformats.org/presentationml/2006/main" show="0">
+<p:sld xmlns:a="http://schemas.openxmlformats.org/drawingml/2006/main" xmlns:r="http://schemas.openxmlformats.org/officeDocument/2006/relationships" xmlns:p="http://schemas.openxmlformats.org/presentationml/2006/main">
   <p:cSld>
     <p:spTree>
       <p:nvGrpSpPr>
@@ -4637,6 +4637,41 @@
           </a:graphicData>
         </a:graphic>
       </p:graphicFrame>
+      <p:sp>
+        <p:nvSpPr>
+          <p:cNvPr id="10" name="pole tekstowe 9">
+            <a:extLst>
+              <a:ext uri="{FF2B5EF4-FFF2-40B4-BE49-F238E27FC236}">
+                <a16:creationId xmlns:a16="http://schemas.microsoft.com/office/drawing/2014/main" id="{337FA2BC-BB06-9C41-9C32-EEFD3F2DFA05}"/>
+              </a:ext>
+            </a:extLst>
+          </p:cNvPr>
+          <p:cNvSpPr txBox="1"/>
+          <p:nvPr/>
+        </p:nvSpPr>
+        <p:spPr>
+          <a:xfrm>
+            <a:off x="212426" y="133815"/>
+            <a:ext cx="1037656" cy="369332"/>
+          </a:xfrm>
+          <a:prstGeom prst="rect">
+            <a:avLst/>
+          </a:prstGeom>
+          <a:noFill/>
+        </p:spPr>
+        <p:txBody>
+          <a:bodyPr wrap="none" rtlCol="0">
+            <a:spAutoFit/>
+          </a:bodyPr>
+          <a:lstStyle/>
+          <a:p>
+            <a:r>
+              <a:rPr lang="pl-PL" b="1" dirty="0"/>
+              <a:t>Wersja A</a:t>
+            </a:r>
+          </a:p>
+        </p:txBody>
+      </p:sp>
     </p:spTree>
   </p:cSld>
   <p:clrMapOvr>
@@ -4646,7 +4681,7 @@
 </file>
 
 <file path=ppt/slides/slide4.xml><?xml version="1.0" encoding="utf-8"?>
-<p:sld xmlns:a="http://schemas.openxmlformats.org/drawingml/2006/main" xmlns:r="http://schemas.openxmlformats.org/officeDocument/2006/relationships" xmlns:p="http://schemas.openxmlformats.org/presentationml/2006/main" show="0">
+<p:sld xmlns:a="http://schemas.openxmlformats.org/drawingml/2006/main" xmlns:r="http://schemas.openxmlformats.org/officeDocument/2006/relationships" xmlns:p="http://schemas.openxmlformats.org/presentationml/2006/main">
   <p:cSld>
     <p:spTree>
       <p:nvGrpSpPr>
@@ -5295,6 +5330,41 @@
           </a:graphicData>
         </a:graphic>
       </p:graphicFrame>
+      <p:sp>
+        <p:nvSpPr>
+          <p:cNvPr id="10" name="pole tekstowe 9">
+            <a:extLst>
+              <a:ext uri="{FF2B5EF4-FFF2-40B4-BE49-F238E27FC236}">
+                <a16:creationId xmlns:a16="http://schemas.microsoft.com/office/drawing/2014/main" id="{86F30E3D-5BA5-D740-8D3F-41EA58869FEF}"/>
+              </a:ext>
+            </a:extLst>
+          </p:cNvPr>
+          <p:cNvSpPr txBox="1"/>
+          <p:nvPr/>
+        </p:nvSpPr>
+        <p:spPr>
+          <a:xfrm>
+            <a:off x="212426" y="133815"/>
+            <a:ext cx="1028038" cy="369332"/>
+          </a:xfrm>
+          <a:prstGeom prst="rect">
+            <a:avLst/>
+          </a:prstGeom>
+          <a:noFill/>
+        </p:spPr>
+        <p:txBody>
+          <a:bodyPr wrap="none" rtlCol="0">
+            <a:spAutoFit/>
+          </a:bodyPr>
+          <a:lstStyle/>
+          <a:p>
+            <a:r>
+              <a:rPr lang="pl-PL" b="1" dirty="0"/>
+              <a:t>Wersja B</a:t>
+            </a:r>
+          </a:p>
+        </p:txBody>
+      </p:sp>
     </p:spTree>
     <p:extLst>
       <p:ext uri="{BB962C8B-B14F-4D97-AF65-F5344CB8AC3E}">
@@ -5958,6 +6028,41 @@
           </a:graphicData>
         </a:graphic>
       </p:graphicFrame>
+      <p:sp>
+        <p:nvSpPr>
+          <p:cNvPr id="10" name="pole tekstowe 9">
+            <a:extLst>
+              <a:ext uri="{FF2B5EF4-FFF2-40B4-BE49-F238E27FC236}">
+                <a16:creationId xmlns:a16="http://schemas.microsoft.com/office/drawing/2014/main" id="{A20EE25A-D8EA-BE40-9D52-C496AC41F5C6}"/>
+              </a:ext>
+            </a:extLst>
+          </p:cNvPr>
+          <p:cNvSpPr txBox="1"/>
+          <p:nvPr/>
+        </p:nvSpPr>
+        <p:spPr>
+          <a:xfrm>
+            <a:off x="212426" y="133815"/>
+            <a:ext cx="1020023" cy="369332"/>
+          </a:xfrm>
+          <a:prstGeom prst="rect">
+            <a:avLst/>
+          </a:prstGeom>
+          <a:noFill/>
+        </p:spPr>
+        <p:txBody>
+          <a:bodyPr wrap="none" rtlCol="0">
+            <a:spAutoFit/>
+          </a:bodyPr>
+          <a:lstStyle/>
+          <a:p>
+            <a:r>
+              <a:rPr lang="pl-PL" b="1" dirty="0"/>
+              <a:t>Wersja C</a:t>
+            </a:r>
+          </a:p>
+        </p:txBody>
+      </p:sp>
     </p:spTree>
     <p:extLst>
       <p:ext uri="{BB962C8B-B14F-4D97-AF65-F5344CB8AC3E}">
